--- a/Материали/OMCS.pptx
+++ b/Материали/OMCS.pptx
@@ -14,8 +14,8 @@
     <p:sldId id="269" r:id="rId5"/>
     <p:sldId id="263" r:id="rId6"/>
     <p:sldId id="279" r:id="rId7"/>
-    <p:sldId id="291" r:id="rId8"/>
-    <p:sldId id="337" r:id="rId9"/>
+    <p:sldId id="337" r:id="rId8"/>
+    <p:sldId id="291" r:id="rId9"/>
     <p:sldId id="299" r:id="rId10"/>
     <p:sldId id="286" r:id="rId11"/>
     <p:sldId id="309" r:id="rId12"/>
@@ -12380,7 +12380,7 @@
         </p:nvSpPr>
         <p:spPr>
           <a:xfrm>
-            <a:off x="3875667" y="2359962"/>
+            <a:off x="3943123" y="2737712"/>
             <a:ext cx="1392665" cy="423575"/>
           </a:xfrm>
           <a:prstGeom prst="rect">
@@ -12408,7 +12408,15 @@
                   <a:schemeClr val="lt1"/>
                 </a:solidFill>
               </a:rPr>
-              <a:t>Машинно обучение</a:t>
+              <a:t>Изкуствен интелект, базиран на </a:t>
+            </a:r>
+            <a:r>
+              <a:rPr lang="en-US" sz="1800" dirty="0">
+                <a:solidFill>
+                  <a:schemeClr val="lt1"/>
+                </a:solidFill>
+              </a:rPr>
+              <a:t>ML. NET</a:t>
             </a:r>
             <a:endParaRPr dirty="0"/>
           </a:p>
@@ -17589,6 +17597,66 @@
   <p:cSld>
     <p:spTree>
       <p:nvGrpSpPr>
+        <p:cNvPr id="1" name=""/>
+        <p:cNvGrpSpPr/>
+        <p:nvPr/>
+      </p:nvGrpSpPr>
+      <p:grpSpPr>
+        <a:xfrm>
+          <a:off x="0" y="0"/>
+          <a:ext cx="0" cy="0"/>
+          <a:chOff x="0" y="0"/>
+          <a:chExt cx="0" cy="0"/>
+        </a:xfrm>
+      </p:grpSpPr>
+      <p:pic>
+        <p:nvPicPr>
+          <p:cNvPr id="5" name="Картина 4">
+            <a:extLst>
+              <a:ext uri="{FF2B5EF4-FFF2-40B4-BE49-F238E27FC236}">
+                <a16:creationId xmlns:a16="http://schemas.microsoft.com/office/drawing/2014/main" id="{9A1C5844-43B3-4382-B877-48D8D7972389}"/>
+              </a:ext>
+            </a:extLst>
+          </p:cNvPr>
+          <p:cNvPicPr>
+            <a:picLocks noChangeAspect="1"/>
+          </p:cNvPicPr>
+          <p:nvPr/>
+        </p:nvPicPr>
+        <p:blipFill>
+          <a:blip r:embed="rId2"/>
+          <a:stretch>
+            <a:fillRect/>
+          </a:stretch>
+        </p:blipFill>
+        <p:spPr>
+          <a:xfrm>
+            <a:off x="2730597" y="0"/>
+            <a:ext cx="3570180" cy="5143500"/>
+          </a:xfrm>
+          <a:prstGeom prst="rect">
+            <a:avLst/>
+          </a:prstGeom>
+        </p:spPr>
+      </p:pic>
+    </p:spTree>
+    <p:extLst>
+      <p:ext uri="{BB962C8B-B14F-4D97-AF65-F5344CB8AC3E}">
+        <p14:creationId xmlns:p14="http://schemas.microsoft.com/office/powerpoint/2010/main" val="1254250532"/>
+      </p:ext>
+    </p:extLst>
+  </p:cSld>
+  <p:clrMapOvr>
+    <a:masterClrMapping/>
+  </p:clrMapOvr>
+</p:sld>
+</file>
+
+<file path=ppt/slides/slide8.xml><?xml version="1.0" encoding="utf-8"?>
+<p:sld xmlns:a="http://schemas.openxmlformats.org/drawingml/2006/main" xmlns:r="http://schemas.openxmlformats.org/officeDocument/2006/relationships" xmlns:p="http://schemas.openxmlformats.org/presentationml/2006/main">
+  <p:cSld>
+    <p:spTree>
+      <p:nvGrpSpPr>
         <p:cNvPr id="1" name="Shape 554"/>
         <p:cNvGrpSpPr/>
         <p:nvPr/>
@@ -18416,66 +18484,6 @@
       </p:par>
     </p:tnLst>
   </p:timing>
-</p:sld>
-</file>
-
-<file path=ppt/slides/slide8.xml><?xml version="1.0" encoding="utf-8"?>
-<p:sld xmlns:a="http://schemas.openxmlformats.org/drawingml/2006/main" xmlns:r="http://schemas.openxmlformats.org/officeDocument/2006/relationships" xmlns:p="http://schemas.openxmlformats.org/presentationml/2006/main">
-  <p:cSld>
-    <p:spTree>
-      <p:nvGrpSpPr>
-        <p:cNvPr id="1" name=""/>
-        <p:cNvGrpSpPr/>
-        <p:nvPr/>
-      </p:nvGrpSpPr>
-      <p:grpSpPr>
-        <a:xfrm>
-          <a:off x="0" y="0"/>
-          <a:ext cx="0" cy="0"/>
-          <a:chOff x="0" y="0"/>
-          <a:chExt cx="0" cy="0"/>
-        </a:xfrm>
-      </p:grpSpPr>
-      <p:pic>
-        <p:nvPicPr>
-          <p:cNvPr id="5" name="Картина 4">
-            <a:extLst>
-              <a:ext uri="{FF2B5EF4-FFF2-40B4-BE49-F238E27FC236}">
-                <a16:creationId xmlns:a16="http://schemas.microsoft.com/office/drawing/2014/main" id="{9A1C5844-43B3-4382-B877-48D8D7972389}"/>
-              </a:ext>
-            </a:extLst>
-          </p:cNvPr>
-          <p:cNvPicPr>
-            <a:picLocks noChangeAspect="1"/>
-          </p:cNvPicPr>
-          <p:nvPr/>
-        </p:nvPicPr>
-        <p:blipFill>
-          <a:blip r:embed="rId2"/>
-          <a:stretch>
-            <a:fillRect/>
-          </a:stretch>
-        </p:blipFill>
-        <p:spPr>
-          <a:xfrm>
-            <a:off x="2730597" y="0"/>
-            <a:ext cx="3570180" cy="5143500"/>
-          </a:xfrm>
-          <a:prstGeom prst="rect">
-            <a:avLst/>
-          </a:prstGeom>
-        </p:spPr>
-      </p:pic>
-    </p:spTree>
-    <p:extLst>
-      <p:ext uri="{BB962C8B-B14F-4D97-AF65-F5344CB8AC3E}">
-        <p14:creationId xmlns:p14="http://schemas.microsoft.com/office/powerpoint/2010/main" val="1254250532"/>
-      </p:ext>
-    </p:extLst>
-  </p:cSld>
-  <p:clrMapOvr>
-    <a:masterClrMapping/>
-  </p:clrMapOvr>
 </p:sld>
 </file>
 

--- a/Материали/OMCS.pptx
+++ b/Материали/OMCS.pptx
@@ -12380,8 +12380,8 @@
         </p:nvSpPr>
         <p:spPr>
           <a:xfrm>
-            <a:off x="3943123" y="2737712"/>
-            <a:ext cx="1392665" cy="423575"/>
+            <a:off x="3492708" y="2571750"/>
+            <a:ext cx="2463835" cy="423575"/>
           </a:xfrm>
           <a:prstGeom prst="rect">
             <a:avLst/>
@@ -12393,32 +12393,19 @@
           </a:bodyPr>
           <a:lstStyle/>
           <a:p>
-            <a:pPr marL="0" lvl="0" indent="0" algn="l" rtl="0">
-              <a:spcBef>
-                <a:spcPts val="0"/>
-              </a:spcBef>
-              <a:spcAft>
-                <a:spcPts val="0"/>
-              </a:spcAft>
-              <a:buNone/>
-            </a:pPr>
             <a:r>
               <a:rPr lang="bg-BG" sz="1800" dirty="0">
                 <a:solidFill>
                   <a:schemeClr val="lt1"/>
                 </a:solidFill>
               </a:rPr>
-              <a:t>Изкуствен интелект, базиран на </a:t>
+              <a:t>Възможност за проверка на програмен код</a:t>
             </a:r>
-            <a:r>
-              <a:rPr lang="en-US" sz="1800" dirty="0">
-                <a:solidFill>
-                  <a:schemeClr val="lt1"/>
-                </a:solidFill>
-              </a:rPr>
-              <a:t>ML. NET</a:t>
-            </a:r>
-            <a:endParaRPr dirty="0"/>
+            <a:endParaRPr sz="1800" dirty="0">
+              <a:solidFill>
+                <a:schemeClr val="lt1"/>
+              </a:solidFill>
+            </a:endParaRPr>
           </a:p>
         </p:txBody>
       </p:sp>
